--- a/Version1.0 - Wire Frame.pptx
+++ b/Version1.0 - Wire Frame.pptx
@@ -213,7 +213,7 @@
             <a:fld id="{73B93242-1627-4472-9927-94342673F3B1}" type="datetimeFigureOut">
               <a:rPr lang="en-GB" smtClean="0"/>
               <a:pPr/>
-              <a:t>18/11/15</a:t>
+              <a:t>13/03/16</a:t>
             </a:fld>
             <a:endParaRPr lang="en-GB"/>
           </a:p>
@@ -749,7 +749,7 @@
             <a:fld id="{30E29DB4-C523-4B8F-96AB-42E1E7AFD346}" type="datetimeFigureOut">
               <a:rPr lang="en-GB" smtClean="0"/>
               <a:pPr/>
-              <a:t>18/11/15</a:t>
+              <a:t>13/03/16</a:t>
             </a:fld>
             <a:endParaRPr lang="en-GB"/>
           </a:p>
@@ -921,7 +921,7 @@
             <a:fld id="{30E29DB4-C523-4B8F-96AB-42E1E7AFD346}" type="datetimeFigureOut">
               <a:rPr lang="en-GB" smtClean="0"/>
               <a:pPr/>
-              <a:t>18/11/15</a:t>
+              <a:t>13/03/16</a:t>
             </a:fld>
             <a:endParaRPr lang="en-GB"/>
           </a:p>
@@ -1103,7 +1103,7 @@
             <a:fld id="{30E29DB4-C523-4B8F-96AB-42E1E7AFD346}" type="datetimeFigureOut">
               <a:rPr lang="en-GB" smtClean="0"/>
               <a:pPr/>
-              <a:t>18/11/15</a:t>
+              <a:t>13/03/16</a:t>
             </a:fld>
             <a:endParaRPr lang="en-GB"/>
           </a:p>
@@ -1275,7 +1275,7 @@
             <a:fld id="{30E29DB4-C523-4B8F-96AB-42E1E7AFD346}" type="datetimeFigureOut">
               <a:rPr lang="en-GB" smtClean="0"/>
               <a:pPr/>
-              <a:t>18/11/15</a:t>
+              <a:t>13/03/16</a:t>
             </a:fld>
             <a:endParaRPr lang="en-GB"/>
           </a:p>
@@ -1523,7 +1523,7 @@
             <a:fld id="{30E29DB4-C523-4B8F-96AB-42E1E7AFD346}" type="datetimeFigureOut">
               <a:rPr lang="en-GB" smtClean="0"/>
               <a:pPr/>
-              <a:t>18/11/15</a:t>
+              <a:t>13/03/16</a:t>
             </a:fld>
             <a:endParaRPr lang="en-GB"/>
           </a:p>
@@ -1813,7 +1813,7 @@
             <a:fld id="{30E29DB4-C523-4B8F-96AB-42E1E7AFD346}" type="datetimeFigureOut">
               <a:rPr lang="en-GB" smtClean="0"/>
               <a:pPr/>
-              <a:t>18/11/15</a:t>
+              <a:t>13/03/16</a:t>
             </a:fld>
             <a:endParaRPr lang="en-GB"/>
           </a:p>
@@ -2237,7 +2237,7 @@
             <a:fld id="{30E29DB4-C523-4B8F-96AB-42E1E7AFD346}" type="datetimeFigureOut">
               <a:rPr lang="en-GB" smtClean="0"/>
               <a:pPr/>
-              <a:t>18/11/15</a:t>
+              <a:t>13/03/16</a:t>
             </a:fld>
             <a:endParaRPr lang="en-GB"/>
           </a:p>
@@ -2357,7 +2357,7 @@
             <a:fld id="{30E29DB4-C523-4B8F-96AB-42E1E7AFD346}" type="datetimeFigureOut">
               <a:rPr lang="en-GB" smtClean="0"/>
               <a:pPr/>
-              <a:t>18/11/15</a:t>
+              <a:t>13/03/16</a:t>
             </a:fld>
             <a:endParaRPr lang="en-GB"/>
           </a:p>
@@ -2454,7 +2454,7 @@
             <a:fld id="{30E29DB4-C523-4B8F-96AB-42E1E7AFD346}" type="datetimeFigureOut">
               <a:rPr lang="en-GB" smtClean="0"/>
               <a:pPr/>
-              <a:t>18/11/15</a:t>
+              <a:t>13/03/16</a:t>
             </a:fld>
             <a:endParaRPr lang="en-GB"/>
           </a:p>
@@ -2733,7 +2733,7 @@
             <a:fld id="{30E29DB4-C523-4B8F-96AB-42E1E7AFD346}" type="datetimeFigureOut">
               <a:rPr lang="en-GB" smtClean="0"/>
               <a:pPr/>
-              <a:t>18/11/15</a:t>
+              <a:t>13/03/16</a:t>
             </a:fld>
             <a:endParaRPr lang="en-GB"/>
           </a:p>
@@ -2988,7 +2988,7 @@
             <a:fld id="{30E29DB4-C523-4B8F-96AB-42E1E7AFD346}" type="datetimeFigureOut">
               <a:rPr lang="en-GB" smtClean="0"/>
               <a:pPr/>
-              <a:t>18/11/15</a:t>
+              <a:t>13/03/16</a:t>
             </a:fld>
             <a:endParaRPr lang="en-GB"/>
           </a:p>
@@ -3203,7 +3203,7 @@
             <a:fld id="{30E29DB4-C523-4B8F-96AB-42E1E7AFD346}" type="datetimeFigureOut">
               <a:rPr lang="en-GB" smtClean="0"/>
               <a:pPr/>
-              <a:t>18/11/15</a:t>
+              <a:t>13/03/16</a:t>
             </a:fld>
             <a:endParaRPr lang="en-GB"/>
           </a:p>
@@ -3942,7 +3942,7 @@
         <p:spPr>
           <a:xfrm>
             <a:off x="3819119" y="3351040"/>
-            <a:ext cx="848309" cy="261610"/>
+            <a:ext cx="389850" cy="261610"/>
           </a:xfrm>
           <a:prstGeom prst="rect">
             <a:avLst/>
@@ -3964,7 +3964,7 @@
                   </a:schemeClr>
                 </a:solidFill>
               </a:rPr>
-              <a:t>PASSWORD</a:t>
+              <a:t>PW</a:t>
             </a:r>
             <a:endParaRPr lang="en-GB" sz="1100" dirty="0">
               <a:solidFill>
@@ -5887,13 +5887,8 @@
             </a:pPr>
             <a:r>
               <a:rPr lang="en-GB" sz="1100" dirty="0" smtClean="0"/>
-              <a:t>SEARCH TOOL FOR USERS TO SEARCH PARTS, DOCUMENTS OR ANY KEY WORDS – SEARCH ENGINE </a:t>
-            </a:r>
-            <a:r>
-              <a:rPr lang="en-GB" sz="1100" dirty="0" smtClean="0"/>
-              <a:t>STYLE</a:t>
-            </a:r>
-            <a:endParaRPr lang="en-GB" sz="1100" dirty="0" smtClean="0"/>
+              <a:t>SEARCH TOOL FOR USERS TO SEARCH PARTS, DOCUMENTS OR ANY KEY WORDS – SEARCH ENGINE STYLE</a:t>
+            </a:r>
           </a:p>
         </p:txBody>
       </p:sp>
@@ -7065,47 +7060,7 @@
                   <a:srgbClr val="800000"/>
                 </a:solidFill>
               </a:rPr>
-              <a:t>THIS IS WHERE THE </a:t>
-            </a:r>
-            <a:r>
-              <a:rPr lang="en-US" sz="1100" dirty="0" smtClean="0">
-                <a:solidFill>
-                  <a:srgbClr val="800000"/>
-                </a:solidFill>
-              </a:rPr>
-              <a:t>FILE DETAILS</a:t>
-            </a:r>
-            <a:r>
-              <a:rPr lang="en-US" sz="1100" dirty="0" smtClean="0">
-                <a:solidFill>
-                  <a:srgbClr val="800000"/>
-                </a:solidFill>
-              </a:rPr>
-              <a:t> WILL APPEAR WHEN </a:t>
-            </a:r>
-            <a:r>
-              <a:rPr lang="en-US" sz="1100" dirty="0" smtClean="0">
-                <a:solidFill>
-                  <a:srgbClr val="800000"/>
-                </a:solidFill>
-              </a:rPr>
-              <a:t>USER</a:t>
-            </a:r>
-            <a:r>
-              <a:rPr lang="en-US" sz="1100" dirty="0" smtClean="0">
-                <a:solidFill>
-                  <a:srgbClr val="800000"/>
-                </a:solidFill>
-              </a:rPr>
-              <a:t> SENDS DATA </a:t>
-            </a:r>
-            <a:r>
-              <a:rPr lang="en-US" sz="1100" dirty="0" smtClean="0">
-                <a:solidFill>
-                  <a:srgbClr val="800000"/>
-                </a:solidFill>
-              </a:rPr>
-              <a:t>TO OTHER USERS.</a:t>
+              <a:t>THIS IS WHERE THE FILE DETAILS WILL APPEAR WHEN USER SENDS DATA TO OTHER USERS.</a:t>
             </a:r>
             <a:r>
               <a:rPr lang="en-US" sz="1100" dirty="0">
@@ -7128,13 +7083,8 @@
             </a:pPr>
             <a:r>
               <a:rPr lang="en-US" sz="1100" dirty="0" smtClean="0"/>
-              <a:t>USERS CAN </a:t>
-            </a:r>
-            <a:r>
-              <a:rPr lang="en-US" sz="1100" dirty="0" smtClean="0"/>
-              <a:t>SEE ONLY THE LINK THEY ARE CLEARED ACCESS </a:t>
-            </a:r>
-            <a:endParaRPr lang="en-US" sz="1100" dirty="0" smtClean="0"/>
+              <a:t>USERS CAN SEE ONLY THE LINK THEY ARE CLEARED ACCESS </a:t>
+            </a:r>
           </a:p>
           <a:p>
             <a:pPr marL="171450" indent="-171450">
@@ -8955,11 +8905,7 @@
             <a:pPr algn="l"/>
             <a:r>
               <a:rPr lang="en-GB" sz="1050" dirty="0" smtClean="0"/>
-              <a:t>SHARED </a:t>
-            </a:r>
-            <a:r>
-              <a:rPr lang="en-GB" sz="1050" dirty="0" smtClean="0"/>
-              <a:t>DATA</a:t>
+              <a:t>SHARED DATA</a:t>
             </a:r>
             <a:endParaRPr lang="en-GB" sz="1050" dirty="0"/>
           </a:p>
@@ -9095,33 +9041,8 @@
             </a:pPr>
             <a:r>
               <a:rPr lang="en-GB" sz="1100" dirty="0" smtClean="0"/>
-              <a:t>WHEN EVER </a:t>
-            </a:r>
-            <a:r>
-              <a:rPr lang="en-GB" sz="1100" dirty="0" smtClean="0"/>
-              <a:t>USER </a:t>
-            </a:r>
-            <a:r>
-              <a:rPr lang="en-GB" sz="1100" dirty="0" smtClean="0"/>
-              <a:t>SENDS </a:t>
-            </a:r>
-            <a:r>
-              <a:rPr lang="en-GB" sz="1100" dirty="0" smtClean="0"/>
-              <a:t>DATA TO THE </a:t>
-            </a:r>
-            <a:r>
-              <a:rPr lang="en-GB" sz="1100" dirty="0" smtClean="0"/>
-              <a:t>OTHER USERS THIS INFO ABOUT THE FILE AND USER </a:t>
-            </a:r>
-            <a:r>
-              <a:rPr lang="en-GB" sz="1100" dirty="0" smtClean="0"/>
-              <a:t>IS SENT TO THEIR </a:t>
-            </a:r>
-            <a:r>
-              <a:rPr lang="en-GB" sz="1100" dirty="0" smtClean="0"/>
-              <a:t>INBOX</a:t>
-            </a:r>
-            <a:endParaRPr lang="en-GB" sz="1100" dirty="0" smtClean="0"/>
+              <a:t>WHEN EVER USER SENDS DATA TO THE OTHER USERS THIS INFO ABOUT THE FILE AND USER IS SENT TO THEIR INBOX</a:t>
+            </a:r>
           </a:p>
         </p:txBody>
       </p:sp>
@@ -9154,7 +9075,6 @@
               <a:rPr lang="en-GB" sz="1100" dirty="0" smtClean="0"/>
               <a:t>USER ID</a:t>
             </a:r>
-            <a:endParaRPr lang="en-GB" sz="1100" dirty="0" smtClean="0"/>
           </a:p>
           <a:p>
             <a:pPr marL="628650" lvl="1" indent="-171450">
@@ -9173,11 +9093,7 @@
             </a:pPr>
             <a:r>
               <a:rPr lang="en-GB" sz="1100" dirty="0" smtClean="0"/>
-              <a:t>SUBMITTED </a:t>
-            </a:r>
-            <a:r>
-              <a:rPr lang="en-GB" sz="1100" dirty="0" smtClean="0"/>
-              <a:t>DATE AND TIME</a:t>
+              <a:t>SUBMITTED DATE AND TIME</a:t>
             </a:r>
           </a:p>
           <a:p>
@@ -9209,7 +9125,6 @@
               <a:rPr lang="en-GB" sz="1100" dirty="0" smtClean="0"/>
               <a:t>COMMENTS</a:t>
             </a:r>
-            <a:endParaRPr lang="en-GB" sz="1100" dirty="0" smtClean="0"/>
           </a:p>
         </p:txBody>
       </p:sp>

--- a/Version1.0 - Wire Frame.pptx
+++ b/Version1.0 - Wire Frame.pptx
@@ -3942,7 +3942,7 @@
         <p:spPr>
           <a:xfrm>
             <a:off x="3819119" y="3351040"/>
-            <a:ext cx="389850" cy="261610"/>
+            <a:ext cx="851071" cy="261610"/>
           </a:xfrm>
           <a:prstGeom prst="rect">
             <a:avLst/>
@@ -3956,7 +3956,7 @@
           <a:lstStyle/>
           <a:p>
             <a:r>
-              <a:rPr lang="en-GB" sz="1100" dirty="0" smtClean="0">
+              <a:rPr lang="en-GB" sz="1100" smtClean="0">
                 <a:solidFill>
                   <a:schemeClr val="tx1">
                     <a:lumMod val="50000"/>
@@ -3964,16 +3964,8 @@
                   </a:schemeClr>
                 </a:solidFill>
               </a:rPr>
-              <a:t>PW</a:t>
-            </a:r>
-            <a:endParaRPr lang="en-GB" sz="1100" dirty="0">
-              <a:solidFill>
-                <a:schemeClr val="tx1">
-                  <a:lumMod val="50000"/>
-                  <a:lumOff val="50000"/>
-                </a:schemeClr>
-              </a:solidFill>
-            </a:endParaRPr>
+              <a:t>PASSWORD</a:t>
+            </a:r>
           </a:p>
         </p:txBody>
       </p:sp>
